--- a/Active_Directory/ADModule.pptx
+++ b/Active_Directory/ADModule.pptx
@@ -5,7 +5,7 @@
     <p:sldMasterId id="2147483661" r:id="rId1"/>
   </p:sldMasterIdLst>
   <p:notesMasterIdLst>
-    <p:notesMasterId r:id="rId32"/>
+    <p:notesMasterId r:id="rId33"/>
   </p:notesMasterIdLst>
   <p:sldIdLst>
     <p:sldId id="257" r:id="rId2"/>
@@ -37,7 +37,8 @@
     <p:sldId id="302" r:id="rId28"/>
     <p:sldId id="303" r:id="rId29"/>
     <p:sldId id="304" r:id="rId30"/>
-    <p:sldId id="274" r:id="rId31"/>
+    <p:sldId id="307" r:id="rId31"/>
+    <p:sldId id="274" r:id="rId32"/>
   </p:sldIdLst>
   <p:sldSz cx="12192000" cy="6858000"/>
   <p:notesSz cx="6858000" cy="9144000"/>
@@ -278,7 +279,7 @@
           <a:p>
             <a:fld id="{3C1CD153-15DE-46E9-BB45-7F70E88D2337}" type="datetimeFigureOut">
               <a:rPr lang="nl-BE" smtClean="0"/>
-              <a:t>20/03/2018</a:t>
+              <a:t>6/09/2018</a:t>
             </a:fld>
             <a:endParaRPr lang="nl-BE"/>
           </a:p>
@@ -1933,7 +1934,7 @@
           <a:p>
             <a:fld id="{21F21368-17C6-4870-9BCB-BC49B72EC322}" type="datetimeFigureOut">
               <a:rPr lang="nl-BE" smtClean="0"/>
-              <a:t>20/03/2018</a:t>
+              <a:t>6/09/2018</a:t>
             </a:fld>
             <a:endParaRPr lang="nl-BE"/>
           </a:p>
@@ -2103,7 +2104,7 @@
           <a:p>
             <a:fld id="{21F21368-17C6-4870-9BCB-BC49B72EC322}" type="datetimeFigureOut">
               <a:rPr lang="nl-BE" smtClean="0"/>
-              <a:t>20/03/2018</a:t>
+              <a:t>6/09/2018</a:t>
             </a:fld>
             <a:endParaRPr lang="nl-BE"/>
           </a:p>
@@ -2283,7 +2284,7 @@
           <a:p>
             <a:fld id="{21F21368-17C6-4870-9BCB-BC49B72EC322}" type="datetimeFigureOut">
               <a:rPr lang="nl-BE" smtClean="0"/>
-              <a:t>20/03/2018</a:t>
+              <a:t>6/09/2018</a:t>
             </a:fld>
             <a:endParaRPr lang="nl-BE"/>
           </a:p>
@@ -2797,7 +2798,7 @@
           <a:p>
             <a:fld id="{21F21368-17C6-4870-9BCB-BC49B72EC322}" type="datetimeFigureOut">
               <a:rPr lang="nl-BE" smtClean="0"/>
-              <a:t>20/03/2018</a:t>
+              <a:t>6/09/2018</a:t>
             </a:fld>
             <a:endParaRPr lang="nl-BE"/>
           </a:p>
@@ -3043,7 +3044,7 @@
           <a:p>
             <a:fld id="{21F21368-17C6-4870-9BCB-BC49B72EC322}" type="datetimeFigureOut">
               <a:rPr lang="nl-BE" smtClean="0"/>
-              <a:t>20/03/2018</a:t>
+              <a:t>6/09/2018</a:t>
             </a:fld>
             <a:endParaRPr lang="nl-BE"/>
           </a:p>
@@ -3275,7 +3276,7 @@
           <a:p>
             <a:fld id="{21F21368-17C6-4870-9BCB-BC49B72EC322}" type="datetimeFigureOut">
               <a:rPr lang="nl-BE" smtClean="0"/>
-              <a:t>20/03/2018</a:t>
+              <a:t>6/09/2018</a:t>
             </a:fld>
             <a:endParaRPr lang="nl-BE"/>
           </a:p>
@@ -3642,7 +3643,7 @@
           <a:p>
             <a:fld id="{21F21368-17C6-4870-9BCB-BC49B72EC322}" type="datetimeFigureOut">
               <a:rPr lang="nl-BE" smtClean="0"/>
-              <a:t>20/03/2018</a:t>
+              <a:t>6/09/2018</a:t>
             </a:fld>
             <a:endParaRPr lang="nl-BE"/>
           </a:p>
@@ -3760,7 +3761,7 @@
           <a:p>
             <a:fld id="{21F21368-17C6-4870-9BCB-BC49B72EC322}" type="datetimeFigureOut">
               <a:rPr lang="nl-BE" smtClean="0"/>
-              <a:t>20/03/2018</a:t>
+              <a:t>6/09/2018</a:t>
             </a:fld>
             <a:endParaRPr lang="nl-BE"/>
           </a:p>
@@ -3855,7 +3856,7 @@
           <a:p>
             <a:fld id="{21F21368-17C6-4870-9BCB-BC49B72EC322}" type="datetimeFigureOut">
               <a:rPr lang="nl-BE" smtClean="0"/>
-              <a:t>20/03/2018</a:t>
+              <a:t>6/09/2018</a:t>
             </a:fld>
             <a:endParaRPr lang="nl-BE"/>
           </a:p>
@@ -4132,7 +4133,7 @@
           <a:p>
             <a:fld id="{21F21368-17C6-4870-9BCB-BC49B72EC322}" type="datetimeFigureOut">
               <a:rPr lang="nl-BE" smtClean="0"/>
-              <a:t>20/03/2018</a:t>
+              <a:t>6/09/2018</a:t>
             </a:fld>
             <a:endParaRPr lang="nl-BE"/>
           </a:p>
@@ -4389,7 +4390,7 @@
           <a:p>
             <a:fld id="{21F21368-17C6-4870-9BCB-BC49B72EC322}" type="datetimeFigureOut">
               <a:rPr lang="nl-BE" smtClean="0"/>
-              <a:t>20/03/2018</a:t>
+              <a:t>6/09/2018</a:t>
             </a:fld>
             <a:endParaRPr lang="nl-BE"/>
           </a:p>
@@ -4602,7 +4603,7 @@
           <a:p>
             <a:fld id="{21F21368-17C6-4870-9BCB-BC49B72EC322}" type="datetimeFigureOut">
               <a:rPr lang="nl-BE" smtClean="0"/>
-              <a:t>20/03/2018</a:t>
+              <a:t>6/09/2018</a:t>
             </a:fld>
             <a:endParaRPr lang="nl-BE"/>
           </a:p>
@@ -17779,6 +17780,163 @@
 </file>
 
 <file path=ppt/slides/slide30.xml><?xml version="1.0" encoding="utf-8"?>
+<p:sld xmlns:a="http://schemas.openxmlformats.org/drawingml/2006/main" xmlns:r="http://schemas.openxmlformats.org/officeDocument/2006/relationships" xmlns:p="http://schemas.openxmlformats.org/presentationml/2006/main">
+  <p:cSld>
+    <p:spTree>
+      <p:nvGrpSpPr>
+        <p:cNvPr id="1" name=""/>
+        <p:cNvGrpSpPr/>
+        <p:nvPr/>
+      </p:nvGrpSpPr>
+      <p:grpSpPr>
+        <a:xfrm>
+          <a:off x="0" y="0"/>
+          <a:ext cx="0" cy="0"/>
+          <a:chOff x="0" y="0"/>
+          <a:chExt cx="0" cy="0"/>
+        </a:xfrm>
+      </p:grpSpPr>
+      <p:sp>
+        <p:nvSpPr>
+          <p:cNvPr id="2" name="Title 1">
+            <a:extLst>
+              <a:ext uri="{FF2B5EF4-FFF2-40B4-BE49-F238E27FC236}">
+                <a16:creationId xmlns:a16="http://schemas.microsoft.com/office/drawing/2014/main" id="{CCF89B64-67F2-44C6-9F62-7860B3B448AD}"/>
+              </a:ext>
+            </a:extLst>
+          </p:cNvPr>
+          <p:cNvSpPr>
+            <a:spLocks noGrp="1"/>
+          </p:cNvSpPr>
+          <p:nvPr>
+            <p:ph type="title"/>
+          </p:nvPr>
+        </p:nvSpPr>
+        <p:spPr/>
+        <p:txBody>
+          <a:bodyPr/>
+          <a:lstStyle/>
+          <a:p>
+            <a:r>
+              <a:rPr lang="en-GB" dirty="0"/>
+              <a:t>And an afterthought</a:t>
+            </a:r>
+          </a:p>
+        </p:txBody>
+      </p:sp>
+      <p:sp>
+        <p:nvSpPr>
+          <p:cNvPr id="3" name="Content Placeholder 2">
+            <a:extLst>
+              <a:ext uri="{FF2B5EF4-FFF2-40B4-BE49-F238E27FC236}">
+                <a16:creationId xmlns:a16="http://schemas.microsoft.com/office/drawing/2014/main" id="{2F88BF6D-EE20-4B8E-98C2-9EA817029CC5}"/>
+              </a:ext>
+            </a:extLst>
+          </p:cNvPr>
+          <p:cNvSpPr>
+            <a:spLocks noGrp="1"/>
+          </p:cNvSpPr>
+          <p:nvPr>
+            <p:ph idx="1"/>
+          </p:nvPr>
+        </p:nvSpPr>
+        <p:spPr>
+          <a:xfrm>
+            <a:off x="838200" y="2998381"/>
+            <a:ext cx="10515600" cy="3178582"/>
+          </a:xfrm>
+        </p:spPr>
+        <p:txBody>
+          <a:bodyPr/>
+          <a:lstStyle/>
+          <a:p>
+            <a:r>
+              <a:rPr lang="en-GB" dirty="0"/>
+              <a:t>… but only when RSAT for AD </a:t>
+            </a:r>
+            <a:r>
+              <a:rPr lang="en-GB"/>
+              <a:t>is installed…</a:t>
+            </a:r>
+            <a:endParaRPr lang="en-GB" dirty="0"/>
+          </a:p>
+        </p:txBody>
+      </p:sp>
+      <p:sp>
+        <p:nvSpPr>
+          <p:cNvPr id="4" name="Rectangle 3">
+            <a:extLst>
+              <a:ext uri="{FF2B5EF4-FFF2-40B4-BE49-F238E27FC236}">
+                <a16:creationId xmlns:a16="http://schemas.microsoft.com/office/drawing/2014/main" id="{B6ED7585-1B00-477B-882F-A1B220A11180}"/>
+              </a:ext>
+            </a:extLst>
+          </p:cNvPr>
+          <p:cNvSpPr/>
+          <p:nvPr/>
+        </p:nvSpPr>
+        <p:spPr>
+          <a:xfrm>
+            <a:off x="4861527" y="1825625"/>
+            <a:ext cx="2468946" cy="369332"/>
+          </a:xfrm>
+          <a:prstGeom prst="rect">
+            <a:avLst/>
+          </a:prstGeom>
+        </p:spPr>
+        <p:txBody>
+          <a:bodyPr wrap="none">
+            <a:spAutoFit/>
+          </a:bodyPr>
+          <a:lstStyle/>
+          <a:p>
+            <a:r>
+              <a:rPr lang="en-GB" dirty="0"/>
+              <a:t> </a:t>
+            </a:r>
+            <a:r>
+              <a:rPr lang="en-GB" dirty="0">
+                <a:solidFill>
+                  <a:srgbClr val="0000FF"/>
+                </a:solidFill>
+                <a:latin typeface="Lucida Console" panose="020B0609040504020204" pitchFamily="49" charset="0"/>
+              </a:rPr>
+              <a:t>Invoke-</a:t>
+            </a:r>
+            <a:r>
+              <a:rPr lang="en-GB" dirty="0" err="1">
+                <a:solidFill>
+                  <a:srgbClr val="0000FF"/>
+                </a:solidFill>
+                <a:latin typeface="Lucida Console" panose="020B0609040504020204" pitchFamily="49" charset="0"/>
+              </a:rPr>
+              <a:t>GPUpdate</a:t>
+            </a:r>
+            <a:r>
+              <a:rPr lang="en-GB" dirty="0">
+                <a:solidFill>
+                  <a:srgbClr val="0000FF"/>
+                </a:solidFill>
+                <a:latin typeface="Lucida Console" panose="020B0609040504020204" pitchFamily="49" charset="0"/>
+              </a:rPr>
+              <a:t> </a:t>
+            </a:r>
+          </a:p>
+        </p:txBody>
+      </p:sp>
+    </p:spTree>
+    <p:extLst>
+      <p:ext uri="{BB962C8B-B14F-4D97-AF65-F5344CB8AC3E}">
+        <p14:creationId xmlns:p14="http://schemas.microsoft.com/office/powerpoint/2010/main" val="1486260433"/>
+      </p:ext>
+    </p:extLst>
+  </p:cSld>
+  <p:clrMapOvr>
+    <a:masterClrMapping/>
+  </p:clrMapOvr>
+</p:sld>
+</file>
+
+<file path=ppt/slides/slide31.xml><?xml version="1.0" encoding="utf-8"?>
 <p:sld xmlns:a="http://schemas.openxmlformats.org/drawingml/2006/main" xmlns:r="http://schemas.openxmlformats.org/officeDocument/2006/relationships" xmlns:p="http://schemas.openxmlformats.org/presentationml/2006/main">
   <p:cSld>
     <p:spTree>

--- a/Active_Directory/ADModule.pptx
+++ b/Active_Directory/ADModule.pptx
@@ -194,6 +194,30 @@
       </pc:sldChg>
     </pc:docChg>
   </pc:docChgLst>
+  <pc:docChgLst>
+    <pc:chgData name="Jochen Mariën" userId="a4f8d9ed-3895-4365-b2d5-9432cb8a20d4" providerId="ADAL" clId="{ECE93041-2370-46EC-ADF3-3030AADC3E1A}"/>
+    <pc:docChg chg="modSld">
+      <pc:chgData name="Jochen Mariën" userId="a4f8d9ed-3895-4365-b2d5-9432cb8a20d4" providerId="ADAL" clId="{ECE93041-2370-46EC-ADF3-3030AADC3E1A}" dt="2021-01-20T13:03:07.213" v="7" actId="20577"/>
+      <pc:docMkLst>
+        <pc:docMk/>
+      </pc:docMkLst>
+      <pc:sldChg chg="modSp mod">
+        <pc:chgData name="Jochen Mariën" userId="a4f8d9ed-3895-4365-b2d5-9432cb8a20d4" providerId="ADAL" clId="{ECE93041-2370-46EC-ADF3-3030AADC3E1A}" dt="2021-01-20T13:03:07.213" v="7" actId="20577"/>
+        <pc:sldMkLst>
+          <pc:docMk/>
+          <pc:sldMk cId="1499384977" sldId="306"/>
+        </pc:sldMkLst>
+        <pc:spChg chg="mod">
+          <ac:chgData name="Jochen Mariën" userId="a4f8d9ed-3895-4365-b2d5-9432cb8a20d4" providerId="ADAL" clId="{ECE93041-2370-46EC-ADF3-3030AADC3E1A}" dt="2021-01-20T13:03:07.213" v="7" actId="20577"/>
+          <ac:spMkLst>
+            <pc:docMk/>
+            <pc:sldMk cId="1499384977" sldId="306"/>
+            <ac:spMk id="3" creationId="{0673ACC6-8FC1-46E5-963C-BDF1CFB2341A}"/>
+          </ac:spMkLst>
+        </pc:spChg>
+      </pc:sldChg>
+    </pc:docChg>
+  </pc:docChgLst>
 </pc:chgInfo>
 </file>
 
@@ -279,7 +303,7 @@
           <a:p>
             <a:fld id="{3C1CD153-15DE-46E9-BB45-7F70E88D2337}" type="datetimeFigureOut">
               <a:rPr lang="nl-BE" smtClean="0"/>
-              <a:t>6/09/2018</a:t>
+              <a:t>20/01/2021</a:t>
             </a:fld>
             <a:endParaRPr lang="nl-BE"/>
           </a:p>
@@ -1934,7 +1958,7 @@
           <a:p>
             <a:fld id="{21F21368-17C6-4870-9BCB-BC49B72EC322}" type="datetimeFigureOut">
               <a:rPr lang="nl-BE" smtClean="0"/>
-              <a:t>6/09/2018</a:t>
+              <a:t>20/01/2021</a:t>
             </a:fld>
             <a:endParaRPr lang="nl-BE"/>
           </a:p>
@@ -2104,7 +2128,7 @@
           <a:p>
             <a:fld id="{21F21368-17C6-4870-9BCB-BC49B72EC322}" type="datetimeFigureOut">
               <a:rPr lang="nl-BE" smtClean="0"/>
-              <a:t>6/09/2018</a:t>
+              <a:t>20/01/2021</a:t>
             </a:fld>
             <a:endParaRPr lang="nl-BE"/>
           </a:p>
@@ -2284,7 +2308,7 @@
           <a:p>
             <a:fld id="{21F21368-17C6-4870-9BCB-BC49B72EC322}" type="datetimeFigureOut">
               <a:rPr lang="nl-BE" smtClean="0"/>
-              <a:t>6/09/2018</a:t>
+              <a:t>20/01/2021</a:t>
             </a:fld>
             <a:endParaRPr lang="nl-BE"/>
           </a:p>
@@ -2798,7 +2822,7 @@
           <a:p>
             <a:fld id="{21F21368-17C6-4870-9BCB-BC49B72EC322}" type="datetimeFigureOut">
               <a:rPr lang="nl-BE" smtClean="0"/>
-              <a:t>6/09/2018</a:t>
+              <a:t>20/01/2021</a:t>
             </a:fld>
             <a:endParaRPr lang="nl-BE"/>
           </a:p>
@@ -3044,7 +3068,7 @@
           <a:p>
             <a:fld id="{21F21368-17C6-4870-9BCB-BC49B72EC322}" type="datetimeFigureOut">
               <a:rPr lang="nl-BE" smtClean="0"/>
-              <a:t>6/09/2018</a:t>
+              <a:t>20/01/2021</a:t>
             </a:fld>
             <a:endParaRPr lang="nl-BE"/>
           </a:p>
@@ -3276,7 +3300,7 @@
           <a:p>
             <a:fld id="{21F21368-17C6-4870-9BCB-BC49B72EC322}" type="datetimeFigureOut">
               <a:rPr lang="nl-BE" smtClean="0"/>
-              <a:t>6/09/2018</a:t>
+              <a:t>20/01/2021</a:t>
             </a:fld>
             <a:endParaRPr lang="nl-BE"/>
           </a:p>
@@ -3643,7 +3667,7 @@
           <a:p>
             <a:fld id="{21F21368-17C6-4870-9BCB-BC49B72EC322}" type="datetimeFigureOut">
               <a:rPr lang="nl-BE" smtClean="0"/>
-              <a:t>6/09/2018</a:t>
+              <a:t>20/01/2021</a:t>
             </a:fld>
             <a:endParaRPr lang="nl-BE"/>
           </a:p>
@@ -3761,7 +3785,7 @@
           <a:p>
             <a:fld id="{21F21368-17C6-4870-9BCB-BC49B72EC322}" type="datetimeFigureOut">
               <a:rPr lang="nl-BE" smtClean="0"/>
-              <a:t>6/09/2018</a:t>
+              <a:t>20/01/2021</a:t>
             </a:fld>
             <a:endParaRPr lang="nl-BE"/>
           </a:p>
@@ -3856,7 +3880,7 @@
           <a:p>
             <a:fld id="{21F21368-17C6-4870-9BCB-BC49B72EC322}" type="datetimeFigureOut">
               <a:rPr lang="nl-BE" smtClean="0"/>
-              <a:t>6/09/2018</a:t>
+              <a:t>20/01/2021</a:t>
             </a:fld>
             <a:endParaRPr lang="nl-BE"/>
           </a:p>
@@ -4133,7 +4157,7 @@
           <a:p>
             <a:fld id="{21F21368-17C6-4870-9BCB-BC49B72EC322}" type="datetimeFigureOut">
               <a:rPr lang="nl-BE" smtClean="0"/>
-              <a:t>6/09/2018</a:t>
+              <a:t>20/01/2021</a:t>
             </a:fld>
             <a:endParaRPr lang="nl-BE"/>
           </a:p>
@@ -4390,7 +4414,7 @@
           <a:p>
             <a:fld id="{21F21368-17C6-4870-9BCB-BC49B72EC322}" type="datetimeFigureOut">
               <a:rPr lang="nl-BE" smtClean="0"/>
-              <a:t>6/09/2018</a:t>
+              <a:t>20/01/2021</a:t>
             </a:fld>
             <a:endParaRPr lang="nl-BE"/>
           </a:p>
@@ -4603,7 +4627,7 @@
           <a:p>
             <a:fld id="{21F21368-17C6-4870-9BCB-BC49B72EC322}" type="datetimeFigureOut">
               <a:rPr lang="nl-BE" smtClean="0"/>
-              <a:t>6/09/2018</a:t>
+              <a:t>20/01/2021</a:t>
             </a:fld>
             <a:endParaRPr lang="nl-BE"/>
           </a:p>
@@ -10162,8 +10186,12 @@
           </a:p>
           <a:p>
             <a:r>
+              <a:rPr lang="en-GB" sz="2400"/>
+              <a:t>Next </a:t>
+            </a:r>
+            <a:r>
               <a:rPr lang="en-GB" sz="2400" dirty="0"/>
-              <a:t>The, create the new user, using the –instance parameter</a:t>
+              <a:t>create the new user, using the –instance parameter</a:t>
             </a:r>
           </a:p>
           <a:p>
